--- a/Evolutionary Computing/ch05-Fitness_Selection_PopulationManagement-2023.pptx
+++ b/Evolutionary Computing/ch05-Fitness_Selection_PopulationManagement-2023.pptx
@@ -243,7 +243,7 @@
           <a:p>
             <a:fld id="{8A3CC91E-81C7-1B49-B3E1-860434022CDC}" type="datetimeFigureOut">
               <a:rPr lang="en-US" smtClean="0"/>
-              <a:t>9/18/23</a:t>
+              <a:t>10/23/23</a:t>
             </a:fld>
             <a:endParaRPr lang="en-US"/>
           </a:p>
@@ -409,7 +409,7 @@
           <a:p>
             <a:fld id="{48DFBA2E-585D-BB46-A4B5-F0AA486081A7}" type="datetimeFigureOut">
               <a:rPr lang="en-US" smtClean="0"/>
-              <a:t>9/18/23</a:t>
+              <a:t>10/23/23</a:t>
             </a:fld>
             <a:endParaRPr lang="en-US"/>
           </a:p>
@@ -7353,7 +7353,7 @@
           <a:noFill/>
           <a:extLst>
             <a:ext uri="{909E8E84-426E-40dd-AFC4-6F175D3DCCD1}">
-              <a14:hiddenFill xmlns="" xmlns:a14="http://schemas.microsoft.com/office/drawing/2010/main">
+              <a14:hiddenFill xmlns:a14="http://schemas.microsoft.com/office/drawing/2010/main" xmlns="">
                 <a:solidFill>
                   <a:srgbClr val="FFFFFF"/>
                 </a:solidFill>
@@ -8264,14 +8264,14 @@
                       <a:effectLst/>
                       <a:extLst>
                         <a:ext uri="{909E8E84-426E-40dd-AFC4-6F175D3DCCD1}">
-                          <a14:hiddenFill xmlns="" xmlns:a14="http://schemas.microsoft.com/office/drawing/2010/main">
+                          <a14:hiddenFill xmlns:a14="http://schemas.microsoft.com/office/drawing/2010/main" xmlns="">
                             <a:solidFill>
                               <a:srgbClr val="FFFFFF"/>
                             </a:solidFill>
                           </a14:hiddenFill>
                         </a:ext>
                         <a:ext uri="{91240B29-F687-4f45-9708-019B960494DF}">
-                          <a14:hiddenLine xmlns="" xmlns:a14="http://schemas.microsoft.com/office/drawing/2010/main" w="9525">
+                          <a14:hiddenLine xmlns:a14="http://schemas.microsoft.com/office/drawing/2010/main" xmlns="" w="9525">
                             <a:solidFill>
                               <a:srgbClr val="000000"/>
                             </a:solidFill>
@@ -8281,7 +8281,7 @@
                           </a14:hiddenLine>
                         </a:ext>
                         <a:ext uri="{AF507438-7753-43e0-B8FC-AC1667EBCBE1}">
-                          <a14:hiddenEffects xmlns="" xmlns:a14="http://schemas.microsoft.com/office/drawing/2010/main">
+                          <a14:hiddenEffects xmlns:a14="http://schemas.microsoft.com/office/drawing/2010/main" xmlns="">
                             <a:effectLst>
                               <a:outerShdw dist="35921" dir="2700000" algn="ctr" rotWithShape="0">
                                 <a:srgbClr val="808080"/>
@@ -10345,7 +10345,7 @@
           <a:noFill/>
           <a:extLst>
             <a:ext uri="{909E8E84-426E-40dd-AFC4-6F175D3DCCD1}">
-              <a14:hiddenFill xmlns="" xmlns:a14="http://schemas.microsoft.com/office/drawing/2010/main">
+              <a14:hiddenFill xmlns:a14="http://schemas.microsoft.com/office/drawing/2010/main" xmlns="">
                 <a:solidFill>
                   <a:srgbClr val="FFFFFF"/>
                 </a:solidFill>
@@ -10377,14 +10377,14 @@
           <a:effectLst/>
           <a:extLst>
             <a:ext uri="{909E8E84-426E-40dd-AFC4-6F175D3DCCD1}">
-              <a14:hiddenFill xmlns="" xmlns:a14="http://schemas.microsoft.com/office/drawing/2010/main">
+              <a14:hiddenFill xmlns:a14="http://schemas.microsoft.com/office/drawing/2010/main" xmlns="">
                 <a:solidFill>
                   <a:schemeClr val="accent1"/>
                 </a:solidFill>
               </a14:hiddenFill>
             </a:ext>
             <a:ext uri="{91240B29-F687-4f45-9708-019B960494DF}">
-              <a14:hiddenLine xmlns="" xmlns:a14="http://schemas.microsoft.com/office/drawing/2010/main" w="9525">
+              <a14:hiddenLine xmlns:a14="http://schemas.microsoft.com/office/drawing/2010/main" xmlns="" w="9525">
                 <a:solidFill>
                   <a:schemeClr val="tx1"/>
                 </a:solidFill>
@@ -10394,7 +10394,7 @@
               </a14:hiddenLine>
             </a:ext>
             <a:ext uri="{AF507438-7753-43e0-B8FC-AC1667EBCBE1}">
-              <a14:hiddenEffects xmlns="" xmlns:a14="http://schemas.microsoft.com/office/drawing/2010/main">
+              <a14:hiddenEffects xmlns:a14="http://schemas.microsoft.com/office/drawing/2010/main" xmlns="">
                 <a:effectLst>
                   <a:outerShdw dist="35921" dir="2700000" algn="ctr" rotWithShape="0">
                     <a:schemeClr val="bg2"/>
@@ -10778,14 +10778,14 @@
           <a:effectLst/>
           <a:extLst>
             <a:ext uri="{909E8E84-426E-40dd-AFC4-6F175D3DCCD1}">
-              <a14:hiddenFill xmlns="" xmlns:a14="http://schemas.microsoft.com/office/drawing/2010/main">
+              <a14:hiddenFill xmlns:a14="http://schemas.microsoft.com/office/drawing/2010/main" xmlns="">
                 <a:solidFill>
                   <a:schemeClr val="accent1"/>
                 </a:solidFill>
               </a14:hiddenFill>
             </a:ext>
             <a:ext uri="{91240B29-F687-4f45-9708-019B960494DF}">
-              <a14:hiddenLine xmlns="" xmlns:a14="http://schemas.microsoft.com/office/drawing/2010/main" w="9525">
+              <a14:hiddenLine xmlns:a14="http://schemas.microsoft.com/office/drawing/2010/main" xmlns="" w="9525">
                 <a:solidFill>
                   <a:schemeClr val="tx1"/>
                 </a:solidFill>
@@ -10795,7 +10795,7 @@
               </a14:hiddenLine>
             </a:ext>
             <a:ext uri="{AF507438-7753-43e0-B8FC-AC1667EBCBE1}">
-              <a14:hiddenEffects xmlns="" xmlns:a14="http://schemas.microsoft.com/office/drawing/2010/main">
+              <a14:hiddenEffects xmlns:a14="http://schemas.microsoft.com/office/drawing/2010/main" xmlns="">
                 <a:effectLst>
                   <a:outerShdw dist="35921" dir="2700000" algn="ctr" rotWithShape="0">
                     <a:schemeClr val="bg2"/>
@@ -10888,14 +10888,14 @@
               <a:effectLst/>
               <a:extLst>
                 <a:ext uri="{909E8E84-426E-40dd-AFC4-6F175D3DCCD1}">
-                  <a14:hiddenFill xmlns="" xmlns:a14="http://schemas.microsoft.com/office/drawing/2010/main">
+                  <a14:hiddenFill xmlns:a14="http://schemas.microsoft.com/office/drawing/2010/main" xmlns="">
                     <a:solidFill>
                       <a:schemeClr val="accent1"/>
                     </a:solidFill>
                   </a14:hiddenFill>
                 </a:ext>
                 <a:ext uri="{AF507438-7753-43e0-B8FC-AC1667EBCBE1}">
-                  <a14:hiddenEffects xmlns="" xmlns:a14="http://schemas.microsoft.com/office/drawing/2010/main">
+                  <a14:hiddenEffects xmlns:a14="http://schemas.microsoft.com/office/drawing/2010/main" xmlns="">
                     <a:effectLst>
                       <a:outerShdw dist="35921" dir="2700000" algn="ctr" rotWithShape="0">
                         <a:schemeClr val="bg2"/>
@@ -10936,14 +10936,14 @@
               <a:effectLst/>
               <a:extLst>
                 <a:ext uri="{909E8E84-426E-40dd-AFC4-6F175D3DCCD1}">
-                  <a14:hiddenFill xmlns="" xmlns:a14="http://schemas.microsoft.com/office/drawing/2010/main">
+                  <a14:hiddenFill xmlns:a14="http://schemas.microsoft.com/office/drawing/2010/main" xmlns="">
                     <a:solidFill>
                       <a:schemeClr val="accent1"/>
                     </a:solidFill>
                   </a14:hiddenFill>
                 </a:ext>
                 <a:ext uri="{91240B29-F687-4f45-9708-019B960494DF}">
-                  <a14:hiddenLine xmlns="" xmlns:a14="http://schemas.microsoft.com/office/drawing/2010/main" w="9525">
+                  <a14:hiddenLine xmlns:a14="http://schemas.microsoft.com/office/drawing/2010/main" xmlns="" w="9525">
                     <a:solidFill>
                       <a:schemeClr val="tx1"/>
                     </a:solidFill>
@@ -10953,7 +10953,7 @@
                   </a14:hiddenLine>
                 </a:ext>
                 <a:ext uri="{AF507438-7753-43e0-B8FC-AC1667EBCBE1}">
-                  <a14:hiddenEffects xmlns="" xmlns:a14="http://schemas.microsoft.com/office/drawing/2010/main">
+                  <a14:hiddenEffects xmlns:a14="http://schemas.microsoft.com/office/drawing/2010/main" xmlns="">
                     <a:effectLst>
                       <a:outerShdw dist="35921" dir="2700000" algn="ctr" rotWithShape="0">
                         <a:schemeClr val="bg2"/>
@@ -11021,14 +11021,14 @@
               <a:effectLst/>
               <a:extLst>
                 <a:ext uri="{909E8E84-426E-40dd-AFC4-6F175D3DCCD1}">
-                  <a14:hiddenFill xmlns="" xmlns:a14="http://schemas.microsoft.com/office/drawing/2010/main">
+                  <a14:hiddenFill xmlns:a14="http://schemas.microsoft.com/office/drawing/2010/main" xmlns="">
                     <a:solidFill>
                       <a:schemeClr val="accent1"/>
                     </a:solidFill>
                   </a14:hiddenFill>
                 </a:ext>
                 <a:ext uri="{AF507438-7753-43e0-B8FC-AC1667EBCBE1}">
-                  <a14:hiddenEffects xmlns="" xmlns:a14="http://schemas.microsoft.com/office/drawing/2010/main">
+                  <a14:hiddenEffects xmlns:a14="http://schemas.microsoft.com/office/drawing/2010/main" xmlns="">
                     <a:effectLst>
                       <a:outerShdw dist="35921" dir="2700000" algn="ctr" rotWithShape="0">
                         <a:schemeClr val="bg2"/>
@@ -11069,14 +11069,14 @@
               <a:effectLst/>
               <a:extLst>
                 <a:ext uri="{909E8E84-426E-40dd-AFC4-6F175D3DCCD1}">
-                  <a14:hiddenFill xmlns="" xmlns:a14="http://schemas.microsoft.com/office/drawing/2010/main">
+                  <a14:hiddenFill xmlns:a14="http://schemas.microsoft.com/office/drawing/2010/main" xmlns="">
                     <a:solidFill>
                       <a:schemeClr val="accent1"/>
                     </a:solidFill>
                   </a14:hiddenFill>
                 </a:ext>
                 <a:ext uri="{91240B29-F687-4f45-9708-019B960494DF}">
-                  <a14:hiddenLine xmlns="" xmlns:a14="http://schemas.microsoft.com/office/drawing/2010/main" w="9525">
+                  <a14:hiddenLine xmlns:a14="http://schemas.microsoft.com/office/drawing/2010/main" xmlns="" w="9525">
                     <a:solidFill>
                       <a:schemeClr val="tx1"/>
                     </a:solidFill>
@@ -11086,7 +11086,7 @@
                   </a14:hiddenLine>
                 </a:ext>
                 <a:ext uri="{AF507438-7753-43e0-B8FC-AC1667EBCBE1}">
-                  <a14:hiddenEffects xmlns="" xmlns:a14="http://schemas.microsoft.com/office/drawing/2010/main">
+                  <a14:hiddenEffects xmlns:a14="http://schemas.microsoft.com/office/drawing/2010/main" xmlns="">
                     <a:effectLst>
                       <a:outerShdw dist="35921" dir="2700000" algn="ctr" rotWithShape="0">
                         <a:schemeClr val="bg2"/>
@@ -11154,14 +11154,14 @@
               <a:effectLst/>
               <a:extLst>
                 <a:ext uri="{909E8E84-426E-40dd-AFC4-6F175D3DCCD1}">
-                  <a14:hiddenFill xmlns="" xmlns:a14="http://schemas.microsoft.com/office/drawing/2010/main">
+                  <a14:hiddenFill xmlns:a14="http://schemas.microsoft.com/office/drawing/2010/main" xmlns="">
                     <a:solidFill>
                       <a:schemeClr val="accent1"/>
                     </a:solidFill>
                   </a14:hiddenFill>
                 </a:ext>
                 <a:ext uri="{AF507438-7753-43e0-B8FC-AC1667EBCBE1}">
-                  <a14:hiddenEffects xmlns="" xmlns:a14="http://schemas.microsoft.com/office/drawing/2010/main">
+                  <a14:hiddenEffects xmlns:a14="http://schemas.microsoft.com/office/drawing/2010/main" xmlns="">
                     <a:effectLst>
                       <a:outerShdw dist="35921" dir="2700000" algn="ctr" rotWithShape="0">
                         <a:schemeClr val="bg2"/>
@@ -11202,14 +11202,14 @@
               <a:effectLst/>
               <a:extLst>
                 <a:ext uri="{909E8E84-426E-40dd-AFC4-6F175D3DCCD1}">
-                  <a14:hiddenFill xmlns="" xmlns:a14="http://schemas.microsoft.com/office/drawing/2010/main">
+                  <a14:hiddenFill xmlns:a14="http://schemas.microsoft.com/office/drawing/2010/main" xmlns="">
                     <a:solidFill>
                       <a:schemeClr val="accent1"/>
                     </a:solidFill>
                   </a14:hiddenFill>
                 </a:ext>
                 <a:ext uri="{91240B29-F687-4f45-9708-019B960494DF}">
-                  <a14:hiddenLine xmlns="" xmlns:a14="http://schemas.microsoft.com/office/drawing/2010/main" w="9525">
+                  <a14:hiddenLine xmlns:a14="http://schemas.microsoft.com/office/drawing/2010/main" xmlns="" w="9525">
                     <a:solidFill>
                       <a:schemeClr val="tx1"/>
                     </a:solidFill>
@@ -11219,7 +11219,7 @@
                   </a14:hiddenLine>
                 </a:ext>
                 <a:ext uri="{AF507438-7753-43e0-B8FC-AC1667EBCBE1}">
-                  <a14:hiddenEffects xmlns="" xmlns:a14="http://schemas.microsoft.com/office/drawing/2010/main">
+                  <a14:hiddenEffects xmlns:a14="http://schemas.microsoft.com/office/drawing/2010/main" xmlns="">
                     <a:effectLst>
                       <a:outerShdw dist="35921" dir="2700000" algn="ctr" rotWithShape="0">
                         <a:schemeClr val="bg2"/>
@@ -11287,14 +11287,14 @@
               <a:effectLst/>
               <a:extLst>
                 <a:ext uri="{909E8E84-426E-40dd-AFC4-6F175D3DCCD1}">
-                  <a14:hiddenFill xmlns="" xmlns:a14="http://schemas.microsoft.com/office/drawing/2010/main">
+                  <a14:hiddenFill xmlns:a14="http://schemas.microsoft.com/office/drawing/2010/main" xmlns="">
                     <a:solidFill>
                       <a:schemeClr val="accent1"/>
                     </a:solidFill>
                   </a14:hiddenFill>
                 </a:ext>
                 <a:ext uri="{AF507438-7753-43e0-B8FC-AC1667EBCBE1}">
-                  <a14:hiddenEffects xmlns="" xmlns:a14="http://schemas.microsoft.com/office/drawing/2010/main">
+                  <a14:hiddenEffects xmlns:a14="http://schemas.microsoft.com/office/drawing/2010/main" xmlns="">
                     <a:effectLst>
                       <a:outerShdw dist="35921" dir="2700000" algn="ctr" rotWithShape="0">
                         <a:schemeClr val="bg2"/>
@@ -11335,14 +11335,14 @@
               <a:effectLst/>
               <a:extLst>
                 <a:ext uri="{909E8E84-426E-40dd-AFC4-6F175D3DCCD1}">
-                  <a14:hiddenFill xmlns="" xmlns:a14="http://schemas.microsoft.com/office/drawing/2010/main">
+                  <a14:hiddenFill xmlns:a14="http://schemas.microsoft.com/office/drawing/2010/main" xmlns="">
                     <a:solidFill>
                       <a:schemeClr val="accent1"/>
                     </a:solidFill>
                   </a14:hiddenFill>
                 </a:ext>
                 <a:ext uri="{91240B29-F687-4f45-9708-019B960494DF}">
-                  <a14:hiddenLine xmlns="" xmlns:a14="http://schemas.microsoft.com/office/drawing/2010/main" w="9525">
+                  <a14:hiddenLine xmlns:a14="http://schemas.microsoft.com/office/drawing/2010/main" xmlns="" w="9525">
                     <a:solidFill>
                       <a:schemeClr val="tx1"/>
                     </a:solidFill>
@@ -11352,7 +11352,7 @@
                   </a14:hiddenLine>
                 </a:ext>
                 <a:ext uri="{AF507438-7753-43e0-B8FC-AC1667EBCBE1}">
-                  <a14:hiddenEffects xmlns="" xmlns:a14="http://schemas.microsoft.com/office/drawing/2010/main">
+                  <a14:hiddenEffects xmlns:a14="http://schemas.microsoft.com/office/drawing/2010/main" xmlns="">
                     <a:effectLst>
                       <a:outerShdw dist="35921" dir="2700000" algn="ctr" rotWithShape="0">
                         <a:schemeClr val="bg2"/>
@@ -11420,14 +11420,14 @@
               <a:effectLst/>
               <a:extLst>
                 <a:ext uri="{909E8E84-426E-40dd-AFC4-6F175D3DCCD1}">
-                  <a14:hiddenFill xmlns="" xmlns:a14="http://schemas.microsoft.com/office/drawing/2010/main">
+                  <a14:hiddenFill xmlns:a14="http://schemas.microsoft.com/office/drawing/2010/main" xmlns="">
                     <a:solidFill>
                       <a:schemeClr val="accent1"/>
                     </a:solidFill>
                   </a14:hiddenFill>
                 </a:ext>
                 <a:ext uri="{AF507438-7753-43e0-B8FC-AC1667EBCBE1}">
-                  <a14:hiddenEffects xmlns="" xmlns:a14="http://schemas.microsoft.com/office/drawing/2010/main">
+                  <a14:hiddenEffects xmlns:a14="http://schemas.microsoft.com/office/drawing/2010/main" xmlns="">
                     <a:effectLst>
                       <a:outerShdw dist="35921" dir="2700000" algn="ctr" rotWithShape="0">
                         <a:schemeClr val="bg2"/>
@@ -11468,14 +11468,14 @@
               <a:effectLst/>
               <a:extLst>
                 <a:ext uri="{909E8E84-426E-40dd-AFC4-6F175D3DCCD1}">
-                  <a14:hiddenFill xmlns="" xmlns:a14="http://schemas.microsoft.com/office/drawing/2010/main">
+                  <a14:hiddenFill xmlns:a14="http://schemas.microsoft.com/office/drawing/2010/main" xmlns="">
                     <a:solidFill>
                       <a:schemeClr val="accent1"/>
                     </a:solidFill>
                   </a14:hiddenFill>
                 </a:ext>
                 <a:ext uri="{91240B29-F687-4f45-9708-019B960494DF}">
-                  <a14:hiddenLine xmlns="" xmlns:a14="http://schemas.microsoft.com/office/drawing/2010/main" w="9525">
+                  <a14:hiddenLine xmlns:a14="http://schemas.microsoft.com/office/drawing/2010/main" xmlns="" w="9525">
                     <a:solidFill>
                       <a:schemeClr val="tx1"/>
                     </a:solidFill>
@@ -11485,7 +11485,7 @@
                   </a14:hiddenLine>
                 </a:ext>
                 <a:ext uri="{AF507438-7753-43e0-B8FC-AC1667EBCBE1}">
-                  <a14:hiddenEffects xmlns="" xmlns:a14="http://schemas.microsoft.com/office/drawing/2010/main">
+                  <a14:hiddenEffects xmlns:a14="http://schemas.microsoft.com/office/drawing/2010/main" xmlns="">
                     <a:effectLst>
                       <a:outerShdw dist="35921" dir="2700000" algn="ctr" rotWithShape="0">
                         <a:schemeClr val="bg2"/>
@@ -11576,14 +11576,14 @@
             <a:effectLst/>
             <a:extLst>
               <a:ext uri="{909E8E84-426E-40dd-AFC4-6F175D3DCCD1}">
-                <a14:hiddenFill xmlns="" xmlns:a14="http://schemas.microsoft.com/office/drawing/2010/main">
+                <a14:hiddenFill xmlns:a14="http://schemas.microsoft.com/office/drawing/2010/main" xmlns="">
                   <a:solidFill>
                     <a:schemeClr val="accent1"/>
                   </a:solidFill>
                 </a14:hiddenFill>
               </a:ext>
               <a:ext uri="{AF507438-7753-43e0-B8FC-AC1667EBCBE1}">
-                <a14:hiddenEffects xmlns="" xmlns:a14="http://schemas.microsoft.com/office/drawing/2010/main">
+                <a14:hiddenEffects xmlns:a14="http://schemas.microsoft.com/office/drawing/2010/main" xmlns="">
                   <a:effectLst>
                     <a:outerShdw dist="35921" dir="2700000" algn="ctr" rotWithShape="0">
                       <a:schemeClr val="bg2"/>
@@ -11668,14 +11668,14 @@
             <a:effectLst/>
             <a:extLst>
               <a:ext uri="{909E8E84-426E-40dd-AFC4-6F175D3DCCD1}">
-                <a14:hiddenFill xmlns="" xmlns:a14="http://schemas.microsoft.com/office/drawing/2010/main">
+                <a14:hiddenFill xmlns:a14="http://schemas.microsoft.com/office/drawing/2010/main" xmlns="">
                   <a:solidFill>
                     <a:schemeClr val="accent1"/>
                   </a:solidFill>
                 </a14:hiddenFill>
               </a:ext>
               <a:ext uri="{AF507438-7753-43e0-B8FC-AC1667EBCBE1}">
-                <a14:hiddenEffects xmlns="" xmlns:a14="http://schemas.microsoft.com/office/drawing/2010/main">
+                <a14:hiddenEffects xmlns:a14="http://schemas.microsoft.com/office/drawing/2010/main" xmlns="">
                   <a:effectLst>
                     <a:outerShdw dist="35921" dir="2700000" algn="ctr" rotWithShape="0">
                       <a:schemeClr val="bg2"/>
@@ -11760,14 +11760,14 @@
             <a:effectLst/>
             <a:extLst>
               <a:ext uri="{909E8E84-426E-40dd-AFC4-6F175D3DCCD1}">
-                <a14:hiddenFill xmlns="" xmlns:a14="http://schemas.microsoft.com/office/drawing/2010/main">
+                <a14:hiddenFill xmlns:a14="http://schemas.microsoft.com/office/drawing/2010/main" xmlns="">
                   <a:solidFill>
                     <a:schemeClr val="accent1"/>
                   </a:solidFill>
                 </a14:hiddenFill>
               </a:ext>
               <a:ext uri="{AF507438-7753-43e0-B8FC-AC1667EBCBE1}">
-                <a14:hiddenEffects xmlns="" xmlns:a14="http://schemas.microsoft.com/office/drawing/2010/main">
+                <a14:hiddenEffects xmlns:a14="http://schemas.microsoft.com/office/drawing/2010/main" xmlns="">
                   <a:effectLst>
                     <a:outerShdw dist="35921" dir="2700000" algn="ctr" rotWithShape="0">
                       <a:schemeClr val="bg2"/>
@@ -11852,14 +11852,14 @@
             <a:effectLst/>
             <a:extLst>
               <a:ext uri="{909E8E84-426E-40dd-AFC4-6F175D3DCCD1}">
-                <a14:hiddenFill xmlns="" xmlns:a14="http://schemas.microsoft.com/office/drawing/2010/main">
+                <a14:hiddenFill xmlns:a14="http://schemas.microsoft.com/office/drawing/2010/main" xmlns="">
                   <a:solidFill>
                     <a:schemeClr val="accent1"/>
                   </a:solidFill>
                 </a14:hiddenFill>
               </a:ext>
               <a:ext uri="{AF507438-7753-43e0-B8FC-AC1667EBCBE1}">
-                <a14:hiddenEffects xmlns="" xmlns:a14="http://schemas.microsoft.com/office/drawing/2010/main">
+                <a14:hiddenEffects xmlns:a14="http://schemas.microsoft.com/office/drawing/2010/main" xmlns="">
                   <a:effectLst>
                     <a:outerShdw dist="35921" dir="2700000" algn="ctr" rotWithShape="0">
                       <a:schemeClr val="bg2"/>
@@ -11944,14 +11944,14 @@
             <a:effectLst/>
             <a:extLst>
               <a:ext uri="{909E8E84-426E-40dd-AFC4-6F175D3DCCD1}">
-                <a14:hiddenFill xmlns="" xmlns:a14="http://schemas.microsoft.com/office/drawing/2010/main">
+                <a14:hiddenFill xmlns:a14="http://schemas.microsoft.com/office/drawing/2010/main" xmlns="">
                   <a:solidFill>
                     <a:schemeClr val="accent1"/>
                   </a:solidFill>
                 </a14:hiddenFill>
               </a:ext>
               <a:ext uri="{AF507438-7753-43e0-B8FC-AC1667EBCBE1}">
-                <a14:hiddenEffects xmlns="" xmlns:a14="http://schemas.microsoft.com/office/drawing/2010/main">
+                <a14:hiddenEffects xmlns:a14="http://schemas.microsoft.com/office/drawing/2010/main" xmlns="">
                   <a:effectLst>
                     <a:outerShdw dist="35921" dir="2700000" algn="ctr" rotWithShape="0">
                       <a:schemeClr val="bg2"/>
@@ -11998,12 +11998,12 @@
           <a:effectLst/>
           <a:extLst>
             <a:ext uri="{909E8E84-426E-40dd-AFC4-6F175D3DCCD1}">
-              <a14:hiddenFill xmlns="" xmlns:a14="http://schemas.microsoft.com/office/drawing/2010/main">
+              <a14:hiddenFill xmlns:a14="http://schemas.microsoft.com/office/drawing/2010/main" xmlns="">
                 <a:noFill/>
               </a14:hiddenFill>
             </a:ext>
             <a:ext uri="{AF507438-7753-43e0-B8FC-AC1667EBCBE1}">
-              <a14:hiddenEffects xmlns="" xmlns:a14="http://schemas.microsoft.com/office/drawing/2010/main">
+              <a14:hiddenEffects xmlns:a14="http://schemas.microsoft.com/office/drawing/2010/main" xmlns="">
                 <a:effectLst>
                   <a:outerShdw dist="35921" dir="2700000" algn="ctr" rotWithShape="0">
                     <a:schemeClr val="bg2"/>
@@ -12924,12 +12924,12 @@
                   <a:effectLst/>
                   <a:extLst>
                     <a:ext uri="{909E8E84-426E-40dd-AFC4-6F175D3DCCD1}">
-                      <a14:hiddenFill xmlns="" xmlns:a14="http://schemas.microsoft.com/office/drawing/2010/main">
+                      <a14:hiddenFill xmlns:a14="http://schemas.microsoft.com/office/drawing/2010/main" xmlns="">
                         <a:noFill/>
                       </a14:hiddenFill>
                     </a:ext>
                     <a:ext uri="{AF507438-7753-43e0-B8FC-AC1667EBCBE1}">
-                      <a14:hiddenEffects xmlns="" xmlns:a14="http://schemas.microsoft.com/office/drawing/2010/main">
+                      <a14:hiddenEffects xmlns:a14="http://schemas.microsoft.com/office/drawing/2010/main" xmlns="">
                         <a:effectLst>
                           <a:outerShdw dist="35921" dir="2700000" algn="ctr" rotWithShape="0">
                             <a:schemeClr val="bg2"/>
@@ -12981,12 +12981,12 @@
                   <a:effectLst/>
                   <a:extLst>
                     <a:ext uri="{909E8E84-426E-40dd-AFC4-6F175D3DCCD1}">
-                      <a14:hiddenFill xmlns="" xmlns:a14="http://schemas.microsoft.com/office/drawing/2010/main">
+                      <a14:hiddenFill xmlns:a14="http://schemas.microsoft.com/office/drawing/2010/main" xmlns="">
                         <a:noFill/>
                       </a14:hiddenFill>
                     </a:ext>
                     <a:ext uri="{AF507438-7753-43e0-B8FC-AC1667EBCBE1}">
-                      <a14:hiddenEffects xmlns="" xmlns:a14="http://schemas.microsoft.com/office/drawing/2010/main">
+                      <a14:hiddenEffects xmlns:a14="http://schemas.microsoft.com/office/drawing/2010/main" xmlns="">
                         <a:effectLst>
                           <a:outerShdw dist="35921" dir="2700000" algn="ctr" rotWithShape="0">
                             <a:schemeClr val="bg2"/>
@@ -13038,12 +13038,12 @@
                   <a:effectLst/>
                   <a:extLst>
                     <a:ext uri="{909E8E84-426E-40dd-AFC4-6F175D3DCCD1}">
-                      <a14:hiddenFill xmlns="" xmlns:a14="http://schemas.microsoft.com/office/drawing/2010/main">
+                      <a14:hiddenFill xmlns:a14="http://schemas.microsoft.com/office/drawing/2010/main" xmlns="">
                         <a:noFill/>
                       </a14:hiddenFill>
                     </a:ext>
                     <a:ext uri="{AF507438-7753-43e0-B8FC-AC1667EBCBE1}">
-                      <a14:hiddenEffects xmlns="" xmlns:a14="http://schemas.microsoft.com/office/drawing/2010/main">
+                      <a14:hiddenEffects xmlns:a14="http://schemas.microsoft.com/office/drawing/2010/main" xmlns="">
                         <a:effectLst>
                           <a:outerShdw dist="35921" dir="2700000" algn="ctr" rotWithShape="0">
                             <a:schemeClr val="bg2"/>
@@ -13095,12 +13095,12 @@
                   <a:effectLst/>
                   <a:extLst>
                     <a:ext uri="{909E8E84-426E-40dd-AFC4-6F175D3DCCD1}">
-                      <a14:hiddenFill xmlns="" xmlns:a14="http://schemas.microsoft.com/office/drawing/2010/main">
+                      <a14:hiddenFill xmlns:a14="http://schemas.microsoft.com/office/drawing/2010/main" xmlns="">
                         <a:noFill/>
                       </a14:hiddenFill>
                     </a:ext>
                     <a:ext uri="{AF507438-7753-43e0-B8FC-AC1667EBCBE1}">
-                      <a14:hiddenEffects xmlns="" xmlns:a14="http://schemas.microsoft.com/office/drawing/2010/main">
+                      <a14:hiddenEffects xmlns:a14="http://schemas.microsoft.com/office/drawing/2010/main" xmlns="">
                         <a:effectLst>
                           <a:outerShdw dist="35921" dir="2700000" algn="ctr" rotWithShape="0">
                             <a:schemeClr val="bg2"/>
@@ -13152,12 +13152,12 @@
                   <a:effectLst/>
                   <a:extLst>
                     <a:ext uri="{909E8E84-426E-40dd-AFC4-6F175D3DCCD1}">
-                      <a14:hiddenFill xmlns="" xmlns:a14="http://schemas.microsoft.com/office/drawing/2010/main">
+                      <a14:hiddenFill xmlns:a14="http://schemas.microsoft.com/office/drawing/2010/main" xmlns="">
                         <a:noFill/>
                       </a14:hiddenFill>
                     </a:ext>
                     <a:ext uri="{AF507438-7753-43e0-B8FC-AC1667EBCBE1}">
-                      <a14:hiddenEffects xmlns="" xmlns:a14="http://schemas.microsoft.com/office/drawing/2010/main">
+                      <a14:hiddenEffects xmlns:a14="http://schemas.microsoft.com/office/drawing/2010/main" xmlns="">
                         <a:effectLst>
                           <a:outerShdw dist="35921" dir="2700000" algn="ctr" rotWithShape="0">
                             <a:schemeClr val="bg2"/>
@@ -13209,12 +13209,12 @@
                   <a:effectLst/>
                   <a:extLst>
                     <a:ext uri="{909E8E84-426E-40dd-AFC4-6F175D3DCCD1}">
-                      <a14:hiddenFill xmlns="" xmlns:a14="http://schemas.microsoft.com/office/drawing/2010/main">
+                      <a14:hiddenFill xmlns:a14="http://schemas.microsoft.com/office/drawing/2010/main" xmlns="">
                         <a:noFill/>
                       </a14:hiddenFill>
                     </a:ext>
                     <a:ext uri="{AF507438-7753-43e0-B8FC-AC1667EBCBE1}">
-                      <a14:hiddenEffects xmlns="" xmlns:a14="http://schemas.microsoft.com/office/drawing/2010/main">
+                      <a14:hiddenEffects xmlns:a14="http://schemas.microsoft.com/office/drawing/2010/main" xmlns="">
                         <a:effectLst>
                           <a:outerShdw dist="35921" dir="2700000" algn="ctr" rotWithShape="0">
                             <a:schemeClr val="bg2"/>
@@ -13266,12 +13266,12 @@
                   <a:effectLst/>
                   <a:extLst>
                     <a:ext uri="{909E8E84-426E-40dd-AFC4-6F175D3DCCD1}">
-                      <a14:hiddenFill xmlns="" xmlns:a14="http://schemas.microsoft.com/office/drawing/2010/main">
+                      <a14:hiddenFill xmlns:a14="http://schemas.microsoft.com/office/drawing/2010/main" xmlns="">
                         <a:noFill/>
                       </a14:hiddenFill>
                     </a:ext>
                     <a:ext uri="{AF507438-7753-43e0-B8FC-AC1667EBCBE1}">
-                      <a14:hiddenEffects xmlns="" xmlns:a14="http://schemas.microsoft.com/office/drawing/2010/main">
+                      <a14:hiddenEffects xmlns:a14="http://schemas.microsoft.com/office/drawing/2010/main" xmlns="">
                         <a:effectLst>
                           <a:outerShdw dist="35921" dir="2700000" algn="ctr" rotWithShape="0">
                             <a:schemeClr val="bg2"/>
@@ -13323,12 +13323,12 @@
                   <a:effectLst/>
                   <a:extLst>
                     <a:ext uri="{909E8E84-426E-40dd-AFC4-6F175D3DCCD1}">
-                      <a14:hiddenFill xmlns="" xmlns:a14="http://schemas.microsoft.com/office/drawing/2010/main">
+                      <a14:hiddenFill xmlns:a14="http://schemas.microsoft.com/office/drawing/2010/main" xmlns="">
                         <a:noFill/>
                       </a14:hiddenFill>
                     </a:ext>
                     <a:ext uri="{AF507438-7753-43e0-B8FC-AC1667EBCBE1}">
-                      <a14:hiddenEffects xmlns="" xmlns:a14="http://schemas.microsoft.com/office/drawing/2010/main">
+                      <a14:hiddenEffects xmlns:a14="http://schemas.microsoft.com/office/drawing/2010/main" xmlns="">
                         <a:effectLst>
                           <a:outerShdw dist="35921" dir="2700000" algn="ctr" rotWithShape="0">
                             <a:schemeClr val="bg2"/>
@@ -13380,12 +13380,12 @@
                   <a:effectLst/>
                   <a:extLst>
                     <a:ext uri="{909E8E84-426E-40dd-AFC4-6F175D3DCCD1}">
-                      <a14:hiddenFill xmlns="" xmlns:a14="http://schemas.microsoft.com/office/drawing/2010/main">
+                      <a14:hiddenFill xmlns:a14="http://schemas.microsoft.com/office/drawing/2010/main" xmlns="">
                         <a:noFill/>
                       </a14:hiddenFill>
                     </a:ext>
                     <a:ext uri="{AF507438-7753-43e0-B8FC-AC1667EBCBE1}">
-                      <a14:hiddenEffects xmlns="" xmlns:a14="http://schemas.microsoft.com/office/drawing/2010/main">
+                      <a14:hiddenEffects xmlns:a14="http://schemas.microsoft.com/office/drawing/2010/main" xmlns="">
                         <a:effectLst>
                           <a:outerShdw dist="35921" dir="2700000" algn="ctr" rotWithShape="0">
                             <a:schemeClr val="bg2"/>
@@ -13460,12 +13460,12 @@
                   <a:effectLst/>
                   <a:extLst>
                     <a:ext uri="{909E8E84-426E-40dd-AFC4-6F175D3DCCD1}">
-                      <a14:hiddenFill xmlns="" xmlns:a14="http://schemas.microsoft.com/office/drawing/2010/main">
+                      <a14:hiddenFill xmlns:a14="http://schemas.microsoft.com/office/drawing/2010/main" xmlns="">
                         <a:noFill/>
                       </a14:hiddenFill>
                     </a:ext>
                     <a:ext uri="{AF507438-7753-43e0-B8FC-AC1667EBCBE1}">
-                      <a14:hiddenEffects xmlns="" xmlns:a14="http://schemas.microsoft.com/office/drawing/2010/main">
+                      <a14:hiddenEffects xmlns:a14="http://schemas.microsoft.com/office/drawing/2010/main" xmlns="">
                         <a:effectLst>
                           <a:outerShdw dist="35921" dir="2700000" algn="ctr" rotWithShape="0">
                             <a:schemeClr val="bg2"/>
@@ -13517,12 +13517,12 @@
                   <a:effectLst/>
                   <a:extLst>
                     <a:ext uri="{909E8E84-426E-40dd-AFC4-6F175D3DCCD1}">
-                      <a14:hiddenFill xmlns="" xmlns:a14="http://schemas.microsoft.com/office/drawing/2010/main">
+                      <a14:hiddenFill xmlns:a14="http://schemas.microsoft.com/office/drawing/2010/main" xmlns="">
                         <a:noFill/>
                       </a14:hiddenFill>
                     </a:ext>
                     <a:ext uri="{AF507438-7753-43e0-B8FC-AC1667EBCBE1}">
-                      <a14:hiddenEffects xmlns="" xmlns:a14="http://schemas.microsoft.com/office/drawing/2010/main">
+                      <a14:hiddenEffects xmlns:a14="http://schemas.microsoft.com/office/drawing/2010/main" xmlns="">
                         <a:effectLst>
                           <a:outerShdw dist="35921" dir="2700000" algn="ctr" rotWithShape="0">
                             <a:schemeClr val="bg2"/>
@@ -13574,12 +13574,12 @@
                   <a:effectLst/>
                   <a:extLst>
                     <a:ext uri="{909E8E84-426E-40dd-AFC4-6F175D3DCCD1}">
-                      <a14:hiddenFill xmlns="" xmlns:a14="http://schemas.microsoft.com/office/drawing/2010/main">
+                      <a14:hiddenFill xmlns:a14="http://schemas.microsoft.com/office/drawing/2010/main" xmlns="">
                         <a:noFill/>
                       </a14:hiddenFill>
                     </a:ext>
                     <a:ext uri="{AF507438-7753-43e0-B8FC-AC1667EBCBE1}">
-                      <a14:hiddenEffects xmlns="" xmlns:a14="http://schemas.microsoft.com/office/drawing/2010/main">
+                      <a14:hiddenEffects xmlns:a14="http://schemas.microsoft.com/office/drawing/2010/main" xmlns="">
                         <a:effectLst>
                           <a:outerShdw dist="35921" dir="2700000" algn="ctr" rotWithShape="0">
                             <a:schemeClr val="bg2"/>
@@ -13631,12 +13631,12 @@
                   <a:effectLst/>
                   <a:extLst>
                     <a:ext uri="{909E8E84-426E-40dd-AFC4-6F175D3DCCD1}">
-                      <a14:hiddenFill xmlns="" xmlns:a14="http://schemas.microsoft.com/office/drawing/2010/main">
+                      <a14:hiddenFill xmlns:a14="http://schemas.microsoft.com/office/drawing/2010/main" xmlns="">
                         <a:noFill/>
                       </a14:hiddenFill>
                     </a:ext>
                     <a:ext uri="{AF507438-7753-43e0-B8FC-AC1667EBCBE1}">
-                      <a14:hiddenEffects xmlns="" xmlns:a14="http://schemas.microsoft.com/office/drawing/2010/main">
+                      <a14:hiddenEffects xmlns:a14="http://schemas.microsoft.com/office/drawing/2010/main" xmlns="">
                         <a:effectLst>
                           <a:outerShdw dist="35921" dir="2700000" algn="ctr" rotWithShape="0">
                             <a:schemeClr val="bg2"/>
@@ -13688,12 +13688,12 @@
                   <a:effectLst/>
                   <a:extLst>
                     <a:ext uri="{909E8E84-426E-40dd-AFC4-6F175D3DCCD1}">
-                      <a14:hiddenFill xmlns="" xmlns:a14="http://schemas.microsoft.com/office/drawing/2010/main">
+                      <a14:hiddenFill xmlns:a14="http://schemas.microsoft.com/office/drawing/2010/main" xmlns="">
                         <a:noFill/>
                       </a14:hiddenFill>
                     </a:ext>
                     <a:ext uri="{AF507438-7753-43e0-B8FC-AC1667EBCBE1}">
-                      <a14:hiddenEffects xmlns="" xmlns:a14="http://schemas.microsoft.com/office/drawing/2010/main">
+                      <a14:hiddenEffects xmlns:a14="http://schemas.microsoft.com/office/drawing/2010/main" xmlns="">
                         <a:effectLst>
                           <a:outerShdw dist="35921" dir="2700000" algn="ctr" rotWithShape="0">
                             <a:schemeClr val="bg2"/>
@@ -13745,12 +13745,12 @@
                   <a:effectLst/>
                   <a:extLst>
                     <a:ext uri="{909E8E84-426E-40dd-AFC4-6F175D3DCCD1}">
-                      <a14:hiddenFill xmlns="" xmlns:a14="http://schemas.microsoft.com/office/drawing/2010/main">
+                      <a14:hiddenFill xmlns:a14="http://schemas.microsoft.com/office/drawing/2010/main" xmlns="">
                         <a:noFill/>
                       </a14:hiddenFill>
                     </a:ext>
                     <a:ext uri="{AF507438-7753-43e0-B8FC-AC1667EBCBE1}">
-                      <a14:hiddenEffects xmlns="" xmlns:a14="http://schemas.microsoft.com/office/drawing/2010/main">
+                      <a14:hiddenEffects xmlns:a14="http://schemas.microsoft.com/office/drawing/2010/main" xmlns="">
                         <a:effectLst>
                           <a:outerShdw dist="35921" dir="2700000" algn="ctr" rotWithShape="0">
                             <a:schemeClr val="bg2"/>
@@ -13802,12 +13802,12 @@
                   <a:effectLst/>
                   <a:extLst>
                     <a:ext uri="{909E8E84-426E-40dd-AFC4-6F175D3DCCD1}">
-                      <a14:hiddenFill xmlns="" xmlns:a14="http://schemas.microsoft.com/office/drawing/2010/main">
+                      <a14:hiddenFill xmlns:a14="http://schemas.microsoft.com/office/drawing/2010/main" xmlns="">
                         <a:noFill/>
                       </a14:hiddenFill>
                     </a:ext>
                     <a:ext uri="{AF507438-7753-43e0-B8FC-AC1667EBCBE1}">
-                      <a14:hiddenEffects xmlns="" xmlns:a14="http://schemas.microsoft.com/office/drawing/2010/main">
+                      <a14:hiddenEffects xmlns:a14="http://schemas.microsoft.com/office/drawing/2010/main" xmlns="">
                         <a:effectLst>
                           <a:outerShdw dist="35921" dir="2700000" algn="ctr" rotWithShape="0">
                             <a:schemeClr val="bg2"/>
@@ -13859,12 +13859,12 @@
                   <a:effectLst/>
                   <a:extLst>
                     <a:ext uri="{909E8E84-426E-40dd-AFC4-6F175D3DCCD1}">
-                      <a14:hiddenFill xmlns="" xmlns:a14="http://schemas.microsoft.com/office/drawing/2010/main">
+                      <a14:hiddenFill xmlns:a14="http://schemas.microsoft.com/office/drawing/2010/main" xmlns="">
                         <a:noFill/>
                       </a14:hiddenFill>
                     </a:ext>
                     <a:ext uri="{AF507438-7753-43e0-B8FC-AC1667EBCBE1}">
-                      <a14:hiddenEffects xmlns="" xmlns:a14="http://schemas.microsoft.com/office/drawing/2010/main">
+                      <a14:hiddenEffects xmlns:a14="http://schemas.microsoft.com/office/drawing/2010/main" xmlns="">
                         <a:effectLst>
                           <a:outerShdw dist="35921" dir="2700000" algn="ctr" rotWithShape="0">
                             <a:schemeClr val="bg2"/>
@@ -13916,12 +13916,12 @@
                   <a:effectLst/>
                   <a:extLst>
                     <a:ext uri="{909E8E84-426E-40dd-AFC4-6F175D3DCCD1}">
-                      <a14:hiddenFill xmlns="" xmlns:a14="http://schemas.microsoft.com/office/drawing/2010/main">
+                      <a14:hiddenFill xmlns:a14="http://schemas.microsoft.com/office/drawing/2010/main" xmlns="">
                         <a:noFill/>
                       </a14:hiddenFill>
                     </a:ext>
                     <a:ext uri="{AF507438-7753-43e0-B8FC-AC1667EBCBE1}">
-                      <a14:hiddenEffects xmlns="" xmlns:a14="http://schemas.microsoft.com/office/drawing/2010/main">
+                      <a14:hiddenEffects xmlns:a14="http://schemas.microsoft.com/office/drawing/2010/main" xmlns="">
                         <a:effectLst>
                           <a:outerShdw dist="35921" dir="2700000" algn="ctr" rotWithShape="0">
                             <a:schemeClr val="bg2"/>
@@ -13996,12 +13996,12 @@
                   <a:effectLst/>
                   <a:extLst>
                     <a:ext uri="{909E8E84-426E-40dd-AFC4-6F175D3DCCD1}">
-                      <a14:hiddenFill xmlns="" xmlns:a14="http://schemas.microsoft.com/office/drawing/2010/main">
+                      <a14:hiddenFill xmlns:a14="http://schemas.microsoft.com/office/drawing/2010/main" xmlns="">
                         <a:noFill/>
                       </a14:hiddenFill>
                     </a:ext>
                     <a:ext uri="{AF507438-7753-43e0-B8FC-AC1667EBCBE1}">
-                      <a14:hiddenEffects xmlns="" xmlns:a14="http://schemas.microsoft.com/office/drawing/2010/main">
+                      <a14:hiddenEffects xmlns:a14="http://schemas.microsoft.com/office/drawing/2010/main" xmlns="">
                         <a:effectLst>
                           <a:outerShdw dist="35921" dir="2700000" algn="ctr" rotWithShape="0">
                             <a:schemeClr val="bg2"/>
@@ -14053,12 +14053,12 @@
                   <a:effectLst/>
                   <a:extLst>
                     <a:ext uri="{909E8E84-426E-40dd-AFC4-6F175D3DCCD1}">
-                      <a14:hiddenFill xmlns="" xmlns:a14="http://schemas.microsoft.com/office/drawing/2010/main">
+                      <a14:hiddenFill xmlns:a14="http://schemas.microsoft.com/office/drawing/2010/main" xmlns="">
                         <a:noFill/>
                       </a14:hiddenFill>
                     </a:ext>
                     <a:ext uri="{AF507438-7753-43e0-B8FC-AC1667EBCBE1}">
-                      <a14:hiddenEffects xmlns="" xmlns:a14="http://schemas.microsoft.com/office/drawing/2010/main">
+                      <a14:hiddenEffects xmlns:a14="http://schemas.microsoft.com/office/drawing/2010/main" xmlns="">
                         <a:effectLst>
                           <a:outerShdw dist="35921" dir="2700000" algn="ctr" rotWithShape="0">
                             <a:schemeClr val="bg2"/>
@@ -14110,12 +14110,12 @@
                   <a:effectLst/>
                   <a:extLst>
                     <a:ext uri="{909E8E84-426E-40dd-AFC4-6F175D3DCCD1}">
-                      <a14:hiddenFill xmlns="" xmlns:a14="http://schemas.microsoft.com/office/drawing/2010/main">
+                      <a14:hiddenFill xmlns:a14="http://schemas.microsoft.com/office/drawing/2010/main" xmlns="">
                         <a:noFill/>
                       </a14:hiddenFill>
                     </a:ext>
                     <a:ext uri="{AF507438-7753-43e0-B8FC-AC1667EBCBE1}">
-                      <a14:hiddenEffects xmlns="" xmlns:a14="http://schemas.microsoft.com/office/drawing/2010/main">
+                      <a14:hiddenEffects xmlns:a14="http://schemas.microsoft.com/office/drawing/2010/main" xmlns="">
                         <a:effectLst>
                           <a:outerShdw dist="35921" dir="2700000" algn="ctr" rotWithShape="0">
                             <a:schemeClr val="bg2"/>
@@ -14167,12 +14167,12 @@
                   <a:effectLst/>
                   <a:extLst>
                     <a:ext uri="{909E8E84-426E-40dd-AFC4-6F175D3DCCD1}">
-                      <a14:hiddenFill xmlns="" xmlns:a14="http://schemas.microsoft.com/office/drawing/2010/main">
+                      <a14:hiddenFill xmlns:a14="http://schemas.microsoft.com/office/drawing/2010/main" xmlns="">
                         <a:noFill/>
                       </a14:hiddenFill>
                     </a:ext>
                     <a:ext uri="{AF507438-7753-43e0-B8FC-AC1667EBCBE1}">
-                      <a14:hiddenEffects xmlns="" xmlns:a14="http://schemas.microsoft.com/office/drawing/2010/main">
+                      <a14:hiddenEffects xmlns:a14="http://schemas.microsoft.com/office/drawing/2010/main" xmlns="">
                         <a:effectLst>
                           <a:outerShdw dist="35921" dir="2700000" algn="ctr" rotWithShape="0">
                             <a:schemeClr val="bg2"/>
@@ -14224,12 +14224,12 @@
                   <a:effectLst/>
                   <a:extLst>
                     <a:ext uri="{909E8E84-426E-40dd-AFC4-6F175D3DCCD1}">
-                      <a14:hiddenFill xmlns="" xmlns:a14="http://schemas.microsoft.com/office/drawing/2010/main">
+                      <a14:hiddenFill xmlns:a14="http://schemas.microsoft.com/office/drawing/2010/main" xmlns="">
                         <a:noFill/>
                       </a14:hiddenFill>
                     </a:ext>
                     <a:ext uri="{AF507438-7753-43e0-B8FC-AC1667EBCBE1}">
-                      <a14:hiddenEffects xmlns="" xmlns:a14="http://schemas.microsoft.com/office/drawing/2010/main">
+                      <a14:hiddenEffects xmlns:a14="http://schemas.microsoft.com/office/drawing/2010/main" xmlns="">
                         <a:effectLst>
                           <a:outerShdw dist="35921" dir="2700000" algn="ctr" rotWithShape="0">
                             <a:schemeClr val="bg2"/>
@@ -14281,12 +14281,12 @@
                   <a:effectLst/>
                   <a:extLst>
                     <a:ext uri="{909E8E84-426E-40dd-AFC4-6F175D3DCCD1}">
-                      <a14:hiddenFill xmlns="" xmlns:a14="http://schemas.microsoft.com/office/drawing/2010/main">
+                      <a14:hiddenFill xmlns:a14="http://schemas.microsoft.com/office/drawing/2010/main" xmlns="">
                         <a:noFill/>
                       </a14:hiddenFill>
                     </a:ext>
                     <a:ext uri="{AF507438-7753-43e0-B8FC-AC1667EBCBE1}">
-                      <a14:hiddenEffects xmlns="" xmlns:a14="http://schemas.microsoft.com/office/drawing/2010/main">
+                      <a14:hiddenEffects xmlns:a14="http://schemas.microsoft.com/office/drawing/2010/main" xmlns="">
                         <a:effectLst>
                           <a:outerShdw dist="35921" dir="2700000" algn="ctr" rotWithShape="0">
                             <a:schemeClr val="bg2"/>
@@ -14338,12 +14338,12 @@
                   <a:effectLst/>
                   <a:extLst>
                     <a:ext uri="{909E8E84-426E-40dd-AFC4-6F175D3DCCD1}">
-                      <a14:hiddenFill xmlns="" xmlns:a14="http://schemas.microsoft.com/office/drawing/2010/main">
+                      <a14:hiddenFill xmlns:a14="http://schemas.microsoft.com/office/drawing/2010/main" xmlns="">
                         <a:noFill/>
                       </a14:hiddenFill>
                     </a:ext>
                     <a:ext uri="{AF507438-7753-43e0-B8FC-AC1667EBCBE1}">
-                      <a14:hiddenEffects xmlns="" xmlns:a14="http://schemas.microsoft.com/office/drawing/2010/main">
+                      <a14:hiddenEffects xmlns:a14="http://schemas.microsoft.com/office/drawing/2010/main" xmlns="">
                         <a:effectLst>
                           <a:outerShdw dist="35921" dir="2700000" algn="ctr" rotWithShape="0">
                             <a:schemeClr val="bg2"/>
@@ -14395,12 +14395,12 @@
                   <a:effectLst/>
                   <a:extLst>
                     <a:ext uri="{909E8E84-426E-40dd-AFC4-6F175D3DCCD1}">
-                      <a14:hiddenFill xmlns="" xmlns:a14="http://schemas.microsoft.com/office/drawing/2010/main">
+                      <a14:hiddenFill xmlns:a14="http://schemas.microsoft.com/office/drawing/2010/main" xmlns="">
                         <a:noFill/>
                       </a14:hiddenFill>
                     </a:ext>
                     <a:ext uri="{AF507438-7753-43e0-B8FC-AC1667EBCBE1}">
-                      <a14:hiddenEffects xmlns="" xmlns:a14="http://schemas.microsoft.com/office/drawing/2010/main">
+                      <a14:hiddenEffects xmlns:a14="http://schemas.microsoft.com/office/drawing/2010/main" xmlns="">
                         <a:effectLst>
                           <a:outerShdw dist="35921" dir="2700000" algn="ctr" rotWithShape="0">
                             <a:schemeClr val="bg2"/>
@@ -14452,12 +14452,12 @@
                   <a:effectLst/>
                   <a:extLst>
                     <a:ext uri="{909E8E84-426E-40dd-AFC4-6F175D3DCCD1}">
-                      <a14:hiddenFill xmlns="" xmlns:a14="http://schemas.microsoft.com/office/drawing/2010/main">
+                      <a14:hiddenFill xmlns:a14="http://schemas.microsoft.com/office/drawing/2010/main" xmlns="">
                         <a:noFill/>
                       </a14:hiddenFill>
                     </a:ext>
                     <a:ext uri="{AF507438-7753-43e0-B8FC-AC1667EBCBE1}">
-                      <a14:hiddenEffects xmlns="" xmlns:a14="http://schemas.microsoft.com/office/drawing/2010/main">
+                      <a14:hiddenEffects xmlns:a14="http://schemas.microsoft.com/office/drawing/2010/main" xmlns="">
                         <a:effectLst>
                           <a:outerShdw dist="35921" dir="2700000" algn="ctr" rotWithShape="0">
                             <a:schemeClr val="bg2"/>
@@ -14532,12 +14532,12 @@
                   <a:effectLst/>
                   <a:extLst>
                     <a:ext uri="{909E8E84-426E-40dd-AFC4-6F175D3DCCD1}">
-                      <a14:hiddenFill xmlns="" xmlns:a14="http://schemas.microsoft.com/office/drawing/2010/main">
+                      <a14:hiddenFill xmlns:a14="http://schemas.microsoft.com/office/drawing/2010/main" xmlns="">
                         <a:noFill/>
                       </a14:hiddenFill>
                     </a:ext>
                     <a:ext uri="{AF507438-7753-43e0-B8FC-AC1667EBCBE1}">
-                      <a14:hiddenEffects xmlns="" xmlns:a14="http://schemas.microsoft.com/office/drawing/2010/main">
+                      <a14:hiddenEffects xmlns:a14="http://schemas.microsoft.com/office/drawing/2010/main" xmlns="">
                         <a:effectLst>
                           <a:outerShdw dist="35921" dir="2700000" algn="ctr" rotWithShape="0">
                             <a:schemeClr val="bg2"/>
@@ -14589,12 +14589,12 @@
                   <a:effectLst/>
                   <a:extLst>
                     <a:ext uri="{909E8E84-426E-40dd-AFC4-6F175D3DCCD1}">
-                      <a14:hiddenFill xmlns="" xmlns:a14="http://schemas.microsoft.com/office/drawing/2010/main">
+                      <a14:hiddenFill xmlns:a14="http://schemas.microsoft.com/office/drawing/2010/main" xmlns="">
                         <a:noFill/>
                       </a14:hiddenFill>
                     </a:ext>
                     <a:ext uri="{AF507438-7753-43e0-B8FC-AC1667EBCBE1}">
-                      <a14:hiddenEffects xmlns="" xmlns:a14="http://schemas.microsoft.com/office/drawing/2010/main">
+                      <a14:hiddenEffects xmlns:a14="http://schemas.microsoft.com/office/drawing/2010/main" xmlns="">
                         <a:effectLst>
                           <a:outerShdw dist="35921" dir="2700000" algn="ctr" rotWithShape="0">
                             <a:schemeClr val="bg2"/>
@@ -14646,12 +14646,12 @@
                   <a:effectLst/>
                   <a:extLst>
                     <a:ext uri="{909E8E84-426E-40dd-AFC4-6F175D3DCCD1}">
-                      <a14:hiddenFill xmlns="" xmlns:a14="http://schemas.microsoft.com/office/drawing/2010/main">
+                      <a14:hiddenFill xmlns:a14="http://schemas.microsoft.com/office/drawing/2010/main" xmlns="">
                         <a:noFill/>
                       </a14:hiddenFill>
                     </a:ext>
                     <a:ext uri="{AF507438-7753-43e0-B8FC-AC1667EBCBE1}">
-                      <a14:hiddenEffects xmlns="" xmlns:a14="http://schemas.microsoft.com/office/drawing/2010/main">
+                      <a14:hiddenEffects xmlns:a14="http://schemas.microsoft.com/office/drawing/2010/main" xmlns="">
                         <a:effectLst>
                           <a:outerShdw dist="35921" dir="2700000" algn="ctr" rotWithShape="0">
                             <a:schemeClr val="bg2"/>
@@ -14703,12 +14703,12 @@
                   <a:effectLst/>
                   <a:extLst>
                     <a:ext uri="{909E8E84-426E-40dd-AFC4-6F175D3DCCD1}">
-                      <a14:hiddenFill xmlns="" xmlns:a14="http://schemas.microsoft.com/office/drawing/2010/main">
+                      <a14:hiddenFill xmlns:a14="http://schemas.microsoft.com/office/drawing/2010/main" xmlns="">
                         <a:noFill/>
                       </a14:hiddenFill>
                     </a:ext>
                     <a:ext uri="{AF507438-7753-43e0-B8FC-AC1667EBCBE1}">
-                      <a14:hiddenEffects xmlns="" xmlns:a14="http://schemas.microsoft.com/office/drawing/2010/main">
+                      <a14:hiddenEffects xmlns:a14="http://schemas.microsoft.com/office/drawing/2010/main" xmlns="">
                         <a:effectLst>
                           <a:outerShdw dist="35921" dir="2700000" algn="ctr" rotWithShape="0">
                             <a:schemeClr val="bg2"/>
@@ -14761,12 +14761,12 @@
                 <a:effectLst/>
                 <a:extLst>
                   <a:ext uri="{909E8E84-426E-40dd-AFC4-6F175D3DCCD1}">
-                    <a14:hiddenFill xmlns="" xmlns:a14="http://schemas.microsoft.com/office/drawing/2010/main">
+                    <a14:hiddenFill xmlns:a14="http://schemas.microsoft.com/office/drawing/2010/main" xmlns="">
                       <a:noFill/>
                     </a14:hiddenFill>
                   </a:ext>
                   <a:ext uri="{AF507438-7753-43e0-B8FC-AC1667EBCBE1}">
-                    <a14:hiddenEffects xmlns="" xmlns:a14="http://schemas.microsoft.com/office/drawing/2010/main">
+                    <a14:hiddenEffects xmlns:a14="http://schemas.microsoft.com/office/drawing/2010/main" xmlns="">
                       <a:effectLst>
                         <a:outerShdw dist="35921" dir="2700000" algn="ctr" rotWithShape="0">
                           <a:schemeClr val="bg2"/>
@@ -14818,12 +14818,12 @@
                 <a:effectLst/>
                 <a:extLst>
                   <a:ext uri="{909E8E84-426E-40dd-AFC4-6F175D3DCCD1}">
-                    <a14:hiddenFill xmlns="" xmlns:a14="http://schemas.microsoft.com/office/drawing/2010/main">
+                    <a14:hiddenFill xmlns:a14="http://schemas.microsoft.com/office/drawing/2010/main" xmlns="">
                       <a:noFill/>
                     </a14:hiddenFill>
                   </a:ext>
                   <a:ext uri="{AF507438-7753-43e0-B8FC-AC1667EBCBE1}">
-                    <a14:hiddenEffects xmlns="" xmlns:a14="http://schemas.microsoft.com/office/drawing/2010/main">
+                    <a14:hiddenEffects xmlns:a14="http://schemas.microsoft.com/office/drawing/2010/main" xmlns="">
                       <a:effectLst>
                         <a:outerShdw dist="35921" dir="2700000" algn="ctr" rotWithShape="0">
                           <a:schemeClr val="bg2"/>
@@ -14875,12 +14875,12 @@
                 <a:effectLst/>
                 <a:extLst>
                   <a:ext uri="{909E8E84-426E-40dd-AFC4-6F175D3DCCD1}">
-                    <a14:hiddenFill xmlns="" xmlns:a14="http://schemas.microsoft.com/office/drawing/2010/main">
+                    <a14:hiddenFill xmlns:a14="http://schemas.microsoft.com/office/drawing/2010/main" xmlns="">
                       <a:noFill/>
                     </a14:hiddenFill>
                   </a:ext>
                   <a:ext uri="{AF507438-7753-43e0-B8FC-AC1667EBCBE1}">
-                    <a14:hiddenEffects xmlns="" xmlns:a14="http://schemas.microsoft.com/office/drawing/2010/main">
+                    <a14:hiddenEffects xmlns:a14="http://schemas.microsoft.com/office/drawing/2010/main" xmlns="">
                       <a:effectLst>
                         <a:outerShdw dist="35921" dir="2700000" algn="ctr" rotWithShape="0">
                           <a:schemeClr val="bg2"/>
@@ -14932,12 +14932,12 @@
                 <a:effectLst/>
                 <a:extLst>
                   <a:ext uri="{909E8E84-426E-40dd-AFC4-6F175D3DCCD1}">
-                    <a14:hiddenFill xmlns="" xmlns:a14="http://schemas.microsoft.com/office/drawing/2010/main">
+                    <a14:hiddenFill xmlns:a14="http://schemas.microsoft.com/office/drawing/2010/main" xmlns="">
                       <a:noFill/>
                     </a14:hiddenFill>
                   </a:ext>
                   <a:ext uri="{AF507438-7753-43e0-B8FC-AC1667EBCBE1}">
-                    <a14:hiddenEffects xmlns="" xmlns:a14="http://schemas.microsoft.com/office/drawing/2010/main">
+                    <a14:hiddenEffects xmlns:a14="http://schemas.microsoft.com/office/drawing/2010/main" xmlns="">
                       <a:effectLst>
                         <a:outerShdw dist="35921" dir="2700000" algn="ctr" rotWithShape="0">
                           <a:schemeClr val="bg2"/>
@@ -14989,12 +14989,12 @@
                 <a:effectLst/>
                 <a:extLst>
                   <a:ext uri="{909E8E84-426E-40dd-AFC4-6F175D3DCCD1}">
-                    <a14:hiddenFill xmlns="" xmlns:a14="http://schemas.microsoft.com/office/drawing/2010/main">
+                    <a14:hiddenFill xmlns:a14="http://schemas.microsoft.com/office/drawing/2010/main" xmlns="">
                       <a:noFill/>
                     </a14:hiddenFill>
                   </a:ext>
                   <a:ext uri="{AF507438-7753-43e0-B8FC-AC1667EBCBE1}">
-                    <a14:hiddenEffects xmlns="" xmlns:a14="http://schemas.microsoft.com/office/drawing/2010/main">
+                    <a14:hiddenEffects xmlns:a14="http://schemas.microsoft.com/office/drawing/2010/main" xmlns="">
                       <a:effectLst>
                         <a:outerShdw dist="35921" dir="2700000" algn="ctr" rotWithShape="0">
                           <a:schemeClr val="bg2"/>
@@ -15068,12 +15068,12 @@
                   <a:effectLst/>
                   <a:extLst>
                     <a:ext uri="{909E8E84-426E-40dd-AFC4-6F175D3DCCD1}">
-                      <a14:hiddenFill xmlns="" xmlns:a14="http://schemas.microsoft.com/office/drawing/2010/main">
+                      <a14:hiddenFill xmlns:a14="http://schemas.microsoft.com/office/drawing/2010/main" xmlns="">
                         <a:noFill/>
                       </a14:hiddenFill>
                     </a:ext>
                     <a:ext uri="{AF507438-7753-43e0-B8FC-AC1667EBCBE1}">
-                      <a14:hiddenEffects xmlns="" xmlns:a14="http://schemas.microsoft.com/office/drawing/2010/main">
+                      <a14:hiddenEffects xmlns:a14="http://schemas.microsoft.com/office/drawing/2010/main" xmlns="">
                         <a:effectLst>
                           <a:outerShdw dist="35921" dir="2700000" algn="ctr" rotWithShape="0">
                             <a:schemeClr val="bg2"/>
@@ -15125,12 +15125,12 @@
                   <a:effectLst/>
                   <a:extLst>
                     <a:ext uri="{909E8E84-426E-40dd-AFC4-6F175D3DCCD1}">
-                      <a14:hiddenFill xmlns="" xmlns:a14="http://schemas.microsoft.com/office/drawing/2010/main">
+                      <a14:hiddenFill xmlns:a14="http://schemas.microsoft.com/office/drawing/2010/main" xmlns="">
                         <a:noFill/>
                       </a14:hiddenFill>
                     </a:ext>
                     <a:ext uri="{AF507438-7753-43e0-B8FC-AC1667EBCBE1}">
-                      <a14:hiddenEffects xmlns="" xmlns:a14="http://schemas.microsoft.com/office/drawing/2010/main">
+                      <a14:hiddenEffects xmlns:a14="http://schemas.microsoft.com/office/drawing/2010/main" xmlns="">
                         <a:effectLst>
                           <a:outerShdw dist="35921" dir="2700000" algn="ctr" rotWithShape="0">
                             <a:schemeClr val="bg2"/>
@@ -15182,12 +15182,12 @@
                   <a:effectLst/>
                   <a:extLst>
                     <a:ext uri="{909E8E84-426E-40dd-AFC4-6F175D3DCCD1}">
-                      <a14:hiddenFill xmlns="" xmlns:a14="http://schemas.microsoft.com/office/drawing/2010/main">
+                      <a14:hiddenFill xmlns:a14="http://schemas.microsoft.com/office/drawing/2010/main" xmlns="">
                         <a:noFill/>
                       </a14:hiddenFill>
                     </a:ext>
                     <a:ext uri="{AF507438-7753-43e0-B8FC-AC1667EBCBE1}">
-                      <a14:hiddenEffects xmlns="" xmlns:a14="http://schemas.microsoft.com/office/drawing/2010/main">
+                      <a14:hiddenEffects xmlns:a14="http://schemas.microsoft.com/office/drawing/2010/main" xmlns="">
                         <a:effectLst>
                           <a:outerShdw dist="35921" dir="2700000" algn="ctr" rotWithShape="0">
                             <a:schemeClr val="bg2"/>
@@ -15239,12 +15239,12 @@
                   <a:effectLst/>
                   <a:extLst>
                     <a:ext uri="{909E8E84-426E-40dd-AFC4-6F175D3DCCD1}">
-                      <a14:hiddenFill xmlns="" xmlns:a14="http://schemas.microsoft.com/office/drawing/2010/main">
+                      <a14:hiddenFill xmlns:a14="http://schemas.microsoft.com/office/drawing/2010/main" xmlns="">
                         <a:noFill/>
                       </a14:hiddenFill>
                     </a:ext>
                     <a:ext uri="{AF507438-7753-43e0-B8FC-AC1667EBCBE1}">
-                      <a14:hiddenEffects xmlns="" xmlns:a14="http://schemas.microsoft.com/office/drawing/2010/main">
+                      <a14:hiddenEffects xmlns:a14="http://schemas.microsoft.com/office/drawing/2010/main" xmlns="">
                         <a:effectLst>
                           <a:outerShdw dist="35921" dir="2700000" algn="ctr" rotWithShape="0">
                             <a:schemeClr val="bg2"/>
@@ -15300,7 +15300,7 @@
               <a:effectLst/>
               <a:extLst>
                 <a:ext uri="{AF507438-7753-43e0-B8FC-AC1667EBCBE1}">
-                  <a14:hiddenEffects xmlns="" xmlns:a14="http://schemas.microsoft.com/office/drawing/2010/main">
+                  <a14:hiddenEffects xmlns:a14="http://schemas.microsoft.com/office/drawing/2010/main" xmlns="">
                     <a:effectLst>
                       <a:outerShdw dist="35921" dir="2700000" algn="ctr" rotWithShape="0">
                         <a:schemeClr val="bg2"/>
@@ -15354,7 +15354,7 @@
               <a:effectLst/>
               <a:extLst>
                 <a:ext uri="{AF507438-7753-43e0-B8FC-AC1667EBCBE1}">
-                  <a14:hiddenEffects xmlns="" xmlns:a14="http://schemas.microsoft.com/office/drawing/2010/main">
+                  <a14:hiddenEffects xmlns:a14="http://schemas.microsoft.com/office/drawing/2010/main" xmlns="">
                     <a:effectLst>
                       <a:outerShdw dist="35921" dir="2700000" algn="ctr" rotWithShape="0">
                         <a:schemeClr val="bg2"/>
@@ -15408,7 +15408,7 @@
               <a:effectLst/>
               <a:extLst>
                 <a:ext uri="{AF507438-7753-43e0-B8FC-AC1667EBCBE1}">
-                  <a14:hiddenEffects xmlns="" xmlns:a14="http://schemas.microsoft.com/office/drawing/2010/main">
+                  <a14:hiddenEffects xmlns:a14="http://schemas.microsoft.com/office/drawing/2010/main" xmlns="">
                     <a:effectLst>
                       <a:outerShdw dist="35921" dir="2700000" algn="ctr" rotWithShape="0">
                         <a:schemeClr val="bg2"/>
@@ -15462,7 +15462,7 @@
               <a:effectLst/>
               <a:extLst>
                 <a:ext uri="{AF507438-7753-43e0-B8FC-AC1667EBCBE1}">
-                  <a14:hiddenEffects xmlns="" xmlns:a14="http://schemas.microsoft.com/office/drawing/2010/main">
+                  <a14:hiddenEffects xmlns:a14="http://schemas.microsoft.com/office/drawing/2010/main" xmlns="">
                     <a:effectLst>
                       <a:outerShdw dist="35921" dir="2700000" algn="ctr" rotWithShape="0">
                         <a:schemeClr val="bg2"/>
@@ -15516,7 +15516,7 @@
               <a:effectLst/>
               <a:extLst>
                 <a:ext uri="{AF507438-7753-43e0-B8FC-AC1667EBCBE1}">
-                  <a14:hiddenEffects xmlns="" xmlns:a14="http://schemas.microsoft.com/office/drawing/2010/main">
+                  <a14:hiddenEffects xmlns:a14="http://schemas.microsoft.com/office/drawing/2010/main" xmlns="">
                     <a:effectLst>
                       <a:outerShdw dist="35921" dir="2700000" algn="ctr" rotWithShape="0">
                         <a:schemeClr val="bg2"/>
@@ -15570,7 +15570,7 @@
               <a:effectLst/>
               <a:extLst>
                 <a:ext uri="{AF507438-7753-43e0-B8FC-AC1667EBCBE1}">
-                  <a14:hiddenEffects xmlns="" xmlns:a14="http://schemas.microsoft.com/office/drawing/2010/main">
+                  <a14:hiddenEffects xmlns:a14="http://schemas.microsoft.com/office/drawing/2010/main" xmlns="">
                     <a:effectLst>
                       <a:outerShdw dist="35921" dir="2700000" algn="ctr" rotWithShape="0">
                         <a:schemeClr val="bg2"/>
@@ -15624,7 +15624,7 @@
               <a:effectLst/>
               <a:extLst>
                 <a:ext uri="{AF507438-7753-43e0-B8FC-AC1667EBCBE1}">
-                  <a14:hiddenEffects xmlns="" xmlns:a14="http://schemas.microsoft.com/office/drawing/2010/main">
+                  <a14:hiddenEffects xmlns:a14="http://schemas.microsoft.com/office/drawing/2010/main" xmlns="">
                     <a:effectLst>
                       <a:outerShdw dist="35921" dir="2700000" algn="ctr" rotWithShape="0">
                         <a:schemeClr val="bg2"/>
@@ -15678,7 +15678,7 @@
               <a:effectLst/>
               <a:extLst>
                 <a:ext uri="{AF507438-7753-43e0-B8FC-AC1667EBCBE1}">
-                  <a14:hiddenEffects xmlns="" xmlns:a14="http://schemas.microsoft.com/office/drawing/2010/main">
+                  <a14:hiddenEffects xmlns:a14="http://schemas.microsoft.com/office/drawing/2010/main" xmlns="">
                     <a:effectLst>
                       <a:outerShdw dist="35921" dir="2700000" algn="ctr" rotWithShape="0">
                         <a:schemeClr val="bg2"/>
@@ -15732,7 +15732,7 @@
               <a:effectLst/>
               <a:extLst>
                 <a:ext uri="{AF507438-7753-43e0-B8FC-AC1667EBCBE1}">
-                  <a14:hiddenEffects xmlns="" xmlns:a14="http://schemas.microsoft.com/office/drawing/2010/main">
+                  <a14:hiddenEffects xmlns:a14="http://schemas.microsoft.com/office/drawing/2010/main" xmlns="">
                     <a:effectLst>
                       <a:outerShdw dist="35921" dir="2700000" algn="ctr" rotWithShape="0">
                         <a:schemeClr val="bg2"/>
@@ -15787,7 +15787,7 @@
             <a:effectLst/>
             <a:extLst>
               <a:ext uri="{AF507438-7753-43e0-B8FC-AC1667EBCBE1}">
-                <a14:hiddenEffects xmlns="" xmlns:a14="http://schemas.microsoft.com/office/drawing/2010/main">
+                <a14:hiddenEffects xmlns:a14="http://schemas.microsoft.com/office/drawing/2010/main" xmlns="">
                   <a:effectLst>
                     <a:outerShdw dist="35921" dir="2700000" algn="ctr" rotWithShape="0">
                       <a:schemeClr val="bg2"/>
@@ -15841,7 +15841,7 @@
             <a:effectLst/>
             <a:extLst>
               <a:ext uri="{AF507438-7753-43e0-B8FC-AC1667EBCBE1}">
-                <a14:hiddenEffects xmlns="" xmlns:a14="http://schemas.microsoft.com/office/drawing/2010/main">
+                <a14:hiddenEffects xmlns:a14="http://schemas.microsoft.com/office/drawing/2010/main" xmlns="">
                   <a:effectLst>
                     <a:outerShdw dist="35921" dir="2700000" algn="ctr" rotWithShape="0">
                       <a:schemeClr val="bg2"/>
@@ -15888,14 +15888,14 @@
             <a:effectLst/>
             <a:extLst>
               <a:ext uri="{909E8E84-426E-40dd-AFC4-6F175D3DCCD1}">
-                <a14:hiddenFill xmlns="" xmlns:a14="http://schemas.microsoft.com/office/drawing/2010/main">
+                <a14:hiddenFill xmlns:a14="http://schemas.microsoft.com/office/drawing/2010/main" xmlns="">
                   <a:solidFill>
                     <a:schemeClr val="accent1"/>
                   </a:solidFill>
                 </a14:hiddenFill>
               </a:ext>
               <a:ext uri="{91240B29-F687-4f45-9708-019B960494DF}">
-                <a14:hiddenLine xmlns="" xmlns:a14="http://schemas.microsoft.com/office/drawing/2010/main" w="9525">
+                <a14:hiddenLine xmlns:a14="http://schemas.microsoft.com/office/drawing/2010/main" xmlns="" w="9525">
                   <a:solidFill>
                     <a:schemeClr val="tx1"/>
                   </a:solidFill>
@@ -15905,7 +15905,7 @@
                 </a14:hiddenLine>
               </a:ext>
               <a:ext uri="{AF507438-7753-43e0-B8FC-AC1667EBCBE1}">
-                <a14:hiddenEffects xmlns="" xmlns:a14="http://schemas.microsoft.com/office/drawing/2010/main">
+                <a14:hiddenEffects xmlns:a14="http://schemas.microsoft.com/office/drawing/2010/main" xmlns="">
                   <a:effectLst>
                     <a:outerShdw dist="35921" dir="2700000" algn="ctr" rotWithShape="0">
                       <a:schemeClr val="bg2"/>
@@ -15963,14 +15963,14 @@
             <a:effectLst/>
             <a:extLst>
               <a:ext uri="{909E8E84-426E-40dd-AFC4-6F175D3DCCD1}">
-                <a14:hiddenFill xmlns="" xmlns:a14="http://schemas.microsoft.com/office/drawing/2010/main">
+                <a14:hiddenFill xmlns:a14="http://schemas.microsoft.com/office/drawing/2010/main" xmlns="">
                   <a:solidFill>
                     <a:schemeClr val="accent1"/>
                   </a:solidFill>
                 </a14:hiddenFill>
               </a:ext>
               <a:ext uri="{91240B29-F687-4f45-9708-019B960494DF}">
-                <a14:hiddenLine xmlns="" xmlns:a14="http://schemas.microsoft.com/office/drawing/2010/main" w="9525">
+                <a14:hiddenLine xmlns:a14="http://schemas.microsoft.com/office/drawing/2010/main" xmlns="" w="9525">
                   <a:solidFill>
                     <a:schemeClr val="tx1"/>
                   </a:solidFill>
@@ -15980,7 +15980,7 @@
                 </a14:hiddenLine>
               </a:ext>
               <a:ext uri="{AF507438-7753-43e0-B8FC-AC1667EBCBE1}">
-                <a14:hiddenEffects xmlns="" xmlns:a14="http://schemas.microsoft.com/office/drawing/2010/main">
+                <a14:hiddenEffects xmlns:a14="http://schemas.microsoft.com/office/drawing/2010/main" xmlns="">
                   <a:effectLst>
                     <a:outerShdw dist="35921" dir="2700000" algn="ctr" rotWithShape="0">
                       <a:schemeClr val="bg2"/>
